--- a/UML/2_객체UML(클래스).pptx
+++ b/UML/2_객체UML(클래스).pptx
@@ -3473,8 +3473,16 @@
           <a:lstStyle/>
           <a:p>
             <a:r>
+              <a:rPr lang="en-US" altLang="ko-KR" dirty="0" smtClean="0">
+                <a:solidFill>
+                  <a:srgbClr val="FF0000"/>
+                </a:solidFill>
+              </a:rPr>
+              <a:t>Aggregation</a:t>
+            </a:r>
+            <a:r>
               <a:rPr lang="en-US" altLang="ko-KR" dirty="0" smtClean="0"/>
-              <a:t>Aggregation (</a:t>
+              <a:t> (</a:t>
             </a:r>
             <a:r>
               <a:rPr lang="ko-KR" altLang="en-US" dirty="0" smtClean="0"/>
@@ -3599,8 +3607,45 @@
             </a:r>
             <a:r>
               <a:rPr lang="en-US" altLang="ko-KR" dirty="0" smtClean="0"/>
-              <a:t>.</a:t>
-            </a:r>
+              <a:t>.(</a:t>
+            </a:r>
+            <a:r>
+              <a:rPr lang="ko-KR" altLang="en-US" dirty="0" err="1" smtClean="0">
+                <a:solidFill>
+                  <a:srgbClr val="FF0000"/>
+                </a:solidFill>
+              </a:rPr>
+              <a:t>마린은</a:t>
+            </a:r>
+            <a:r>
+              <a:rPr lang="ko-KR" altLang="en-US" dirty="0" smtClean="0">
+                <a:solidFill>
+                  <a:srgbClr val="FF0000"/>
+                </a:solidFill>
+              </a:rPr>
+              <a:t> 죽으면 </a:t>
+            </a:r>
+            <a:r>
+              <a:rPr lang="ko-KR" altLang="en-US" dirty="0" err="1" smtClean="0">
+                <a:solidFill>
+                  <a:srgbClr val="FF0000"/>
+                </a:solidFill>
+              </a:rPr>
+              <a:t>총삭제</a:t>
+            </a:r>
+            <a:r>
+              <a:rPr lang="ko-KR" altLang="en-US" dirty="0" smtClean="0">
+                <a:solidFill>
+                  <a:srgbClr val="FF0000"/>
+                </a:solidFill>
+              </a:rPr>
+              <a:t> 당함</a:t>
+            </a:r>
+            <a:r>
+              <a:rPr lang="en-US" altLang="ko-KR" dirty="0" smtClean="0"/>
+              <a:t>)</a:t>
+            </a:r>
+            <a:endParaRPr lang="en-US" altLang="ko-KR" dirty="0" smtClean="0"/>
           </a:p>
           <a:p>
             <a:r>
@@ -3617,8 +3662,21 @@
             </a:r>
             <a:r>
               <a:rPr lang="en-US" altLang="ko-KR" dirty="0" smtClean="0"/>
-              <a:t>.</a:t>
-            </a:r>
+              <a:t>.(</a:t>
+            </a:r>
+            <a:r>
+              <a:rPr lang="ko-KR" altLang="en-US" dirty="0" smtClean="0">
+                <a:solidFill>
+                  <a:srgbClr val="FF0000"/>
+                </a:solidFill>
+              </a:rPr>
+              <a:t>빈 다이아</a:t>
+            </a:r>
+            <a:r>
+              <a:rPr lang="en-US" altLang="ko-KR" dirty="0" smtClean="0"/>
+              <a:t>)</a:t>
+            </a:r>
+            <a:endParaRPr lang="en-US" altLang="ko-KR" dirty="0" smtClean="0"/>
           </a:p>
           <a:p>
             <a:endParaRPr lang="en-US" altLang="ko-KR" dirty="0"/>
@@ -3971,7 +4029,19 @@
             </a:r>
             <a:r>
               <a:rPr lang="en-US" altLang="ko-KR" dirty="0" smtClean="0"/>
-              <a:t>(?)</a:t>
+              <a:t>(?)(</a:t>
+            </a:r>
+            <a:r>
+              <a:rPr lang="ko-KR" altLang="en-US" dirty="0" err="1" smtClean="0"/>
+              <a:t>마린은</a:t>
+            </a:r>
+            <a:r>
+              <a:rPr lang="ko-KR" altLang="en-US" dirty="0" smtClean="0"/>
+              <a:t> 죽으면 총이 없어진다</a:t>
+            </a:r>
+            <a:r>
+              <a:rPr lang="en-US" altLang="ko-KR" dirty="0" smtClean="0"/>
+              <a:t>)</a:t>
             </a:r>
             <a:endParaRPr lang="ko-KR" altLang="en-US" dirty="0"/>
           </a:p>
@@ -4081,10 +4151,22 @@
             </a:r>
             <a:r>
               <a:rPr lang="ko-KR" altLang="en-US" dirty="0"/>
-              <a:t> 라이프 사이클을 공유하게 </a:t>
-            </a:r>
-            <a:r>
-              <a:rPr lang="ko-KR" altLang="en-US" dirty="0" smtClean="0"/>
+              <a:t> </a:t>
+            </a:r>
+            <a:r>
+              <a:rPr lang="ko-KR" altLang="en-US" dirty="0">
+                <a:solidFill>
+                  <a:srgbClr val="FF0000"/>
+                </a:solidFill>
+              </a:rPr>
+              <a:t>라이프 사이클을 공유하게 </a:t>
+            </a:r>
+            <a:r>
+              <a:rPr lang="ko-KR" altLang="en-US" dirty="0" smtClean="0">
+                <a:solidFill>
+                  <a:srgbClr val="FF0000"/>
+                </a:solidFill>
+              </a:rPr>
               <a:t>된다</a:t>
             </a:r>
             <a:r>
@@ -4192,7 +4274,37 @@
             </a:r>
             <a:r>
               <a:rPr lang="ko-KR" altLang="en-US" dirty="0" smtClean="0"/>
-              <a:t> 관계임</a:t>
+              <a:t> </a:t>
+            </a:r>
+            <a:r>
+              <a:rPr lang="ko-KR" altLang="en-US" dirty="0" smtClean="0"/>
+              <a:t>관계임</a:t>
+            </a:r>
+            <a:r>
+              <a:rPr lang="en-US" altLang="ko-KR" dirty="0" smtClean="0"/>
+              <a:t>)</a:t>
+            </a:r>
+          </a:p>
+          <a:p>
+            <a:r>
+              <a:rPr lang="en-US" altLang="ko-KR" dirty="0" smtClean="0"/>
+              <a:t>(</a:t>
+            </a:r>
+            <a:r>
+              <a:rPr lang="ko-KR" altLang="en-US" dirty="0" err="1" smtClean="0">
+                <a:solidFill>
+                  <a:srgbClr val="FF0000"/>
+                </a:solidFill>
+              </a:rPr>
+              <a:t>꽉찬</a:t>
+            </a:r>
+            <a:r>
+              <a:rPr lang="ko-KR" altLang="en-US" dirty="0" smtClean="0">
+                <a:solidFill>
+                  <a:srgbClr val="FF0000"/>
+                </a:solidFill>
+              </a:rPr>
+              <a:t> 다이아</a:t>
             </a:r>
             <a:r>
               <a:rPr lang="en-US" altLang="ko-KR" dirty="0" smtClean="0"/>
@@ -4465,8 +4577,16 @@
           <a:lstStyle/>
           <a:p>
             <a:r>
+              <a:rPr lang="en-US" altLang="ko-KR" dirty="0">
+                <a:solidFill>
+                  <a:srgbClr val="FF0000"/>
+                </a:solidFill>
+              </a:rPr>
+              <a:t>Dependency</a:t>
+            </a:r>
+            <a:r>
               <a:rPr lang="en-US" altLang="ko-KR" dirty="0"/>
-              <a:t>Dependency(</a:t>
+              <a:t>(</a:t>
             </a:r>
             <a:r>
               <a:rPr lang="ko-KR" altLang="en-US" dirty="0"/>
@@ -4512,27 +4632,43 @@
           <a:p>
             <a:r>
               <a:rPr lang="ko-KR" altLang="en-US" dirty="0"/>
-              <a:t>의존관계는 한 객체가 </a:t>
-            </a:r>
-            <a:r>
-              <a:rPr lang="ko-KR" altLang="en-US" dirty="0" smtClean="0"/>
+              <a:t>의존관계는 </a:t>
+            </a:r>
+            <a:r>
+              <a:rPr lang="ko-KR" altLang="en-US" b="1" dirty="0"/>
+              <a:t>한 객체가 </a:t>
+            </a:r>
+            <a:r>
+              <a:rPr lang="ko-KR" altLang="en-US" b="1" dirty="0" smtClean="0"/>
               <a:t>다른 객체를 </a:t>
             </a:r>
             <a:r>
-              <a:rPr lang="ko-KR" altLang="en-US" dirty="0"/>
+              <a:rPr lang="ko-KR" altLang="en-US" b="1" dirty="0"/>
               <a:t>소유하지는 않지만</a:t>
             </a:r>
             <a:r>
-              <a:rPr lang="en-US" altLang="ko-KR" dirty="0"/>
+              <a:rPr lang="en-US" altLang="ko-KR" b="1" dirty="0"/>
               <a:t>, </a:t>
             </a:r>
             <a:r>
-              <a:rPr lang="ko-KR" altLang="en-US" dirty="0" smtClean="0"/>
+              <a:rPr lang="ko-KR" altLang="en-US" b="1" dirty="0" smtClean="0">
+                <a:solidFill>
+                  <a:srgbClr val="FF0000"/>
+                </a:solidFill>
+              </a:rPr>
               <a:t>다른 객체의 </a:t>
             </a:r>
             <a:r>
-              <a:rPr lang="ko-KR" altLang="en-US" dirty="0"/>
-              <a:t>변경에 따라서 같이 변경을 해주어야 </a:t>
+              <a:rPr lang="ko-KR" altLang="en-US" b="1" dirty="0">
+                <a:solidFill>
+                  <a:srgbClr val="FF0000"/>
+                </a:solidFill>
+              </a:rPr>
+              <a:t>변경에 따라서 같이 변경</a:t>
+            </a:r>
+            <a:r>
+              <a:rPr lang="ko-KR" altLang="en-US" dirty="0"/>
+              <a:t>을 해주어야 </a:t>
             </a:r>
             <a:r>
               <a:rPr lang="ko-KR" altLang="en-US" dirty="0" smtClean="0"/>
@@ -10825,8 +10961,16 @@
           <a:lstStyle/>
           <a:p>
             <a:r>
+              <a:rPr lang="en-US" altLang="ko-KR" b="1" dirty="0">
+                <a:solidFill>
+                  <a:srgbClr val="FF0000"/>
+                </a:solidFill>
+              </a:rPr>
+              <a:t>Realization</a:t>
+            </a:r>
+            <a:r>
               <a:rPr lang="en-US" altLang="ko-KR" dirty="0"/>
-              <a:t>Realization(</a:t>
+              <a:t>(</a:t>
             </a:r>
             <a:r>
               <a:rPr lang="ko-KR" altLang="en-US" dirty="0"/>
@@ -11001,7 +11145,7 @@
           <a:p>
             <a:pPr lvl="2"/>
             <a:r>
-              <a:rPr lang="ko-KR" altLang="en-US" smtClean="0"/>
+              <a:rPr lang="ko-KR" altLang="en-US" dirty="0" smtClean="0"/>
               <a:t>점선 화살표  인터페이스</a:t>
             </a:r>
             <a:endParaRPr lang="en-US" altLang="ko-KR" dirty="0"/>
@@ -11127,18 +11271,34 @@
           <a:lstStyle/>
           <a:p>
             <a:r>
-              <a:rPr lang="en-US" altLang="ko-KR" dirty="0"/>
+              <a:rPr lang="en-US" altLang="ko-KR" dirty="0">
+                <a:solidFill>
+                  <a:srgbClr val="FF0000"/>
+                </a:solidFill>
+              </a:rPr>
               <a:t>Association(</a:t>
             </a:r>
             <a:r>
-              <a:rPr lang="ko-KR" altLang="en-US" dirty="0"/>
+              <a:rPr lang="ko-KR" altLang="en-US" dirty="0">
+                <a:solidFill>
+                  <a:srgbClr val="FF0000"/>
+                </a:solidFill>
+              </a:rPr>
               <a:t>연관 관계</a:t>
             </a:r>
             <a:r>
-              <a:rPr lang="en-US" altLang="ko-KR" dirty="0"/>
+              <a:rPr lang="en-US" altLang="ko-KR" dirty="0">
+                <a:solidFill>
+                  <a:srgbClr val="FF0000"/>
+                </a:solidFill>
+              </a:rPr>
               <a:t>)</a:t>
             </a:r>
-            <a:endParaRPr lang="ko-KR" altLang="en-US" dirty="0"/>
+            <a:endParaRPr lang="ko-KR" altLang="en-US" dirty="0">
+              <a:solidFill>
+                <a:srgbClr val="FF0000"/>
+              </a:solidFill>
+            </a:endParaRPr>
           </a:p>
         </p:txBody>
       </p:sp>
@@ -11232,7 +11392,7 @@
               </a:lnSpc>
             </a:pPr>
             <a:r>
-              <a:rPr lang="ko-KR" altLang="en-US" dirty="0" err="1"/>
+              <a:rPr lang="ko-KR" altLang="en-US" b="1" dirty="0" err="1"/>
               <a:t>단방향</a:t>
             </a:r>
             <a:r>
@@ -11244,8 +11404,16 @@
               <a:t>클래스간의 관계가 </a:t>
             </a:r>
             <a:r>
+              <a:rPr lang="en-US" altLang="ko-KR" dirty="0">
+                <a:solidFill>
+                  <a:srgbClr val="FF0000"/>
+                </a:solidFill>
+              </a:rPr>
+              <a:t>"-&gt;"</a:t>
+            </a:r>
+            <a:r>
               <a:rPr lang="en-US" altLang="ko-KR" dirty="0"/>
-              <a:t>"-&gt;" </a:t>
+              <a:t> </a:t>
             </a:r>
             <a:r>
               <a:rPr lang="ko-KR" altLang="en-US" dirty="0"/>
@@ -11271,7 +11439,7 @@
               </a:lnSpc>
             </a:pPr>
             <a:r>
-              <a:rPr lang="ko-KR" altLang="en-US" dirty="0"/>
+              <a:rPr lang="ko-KR" altLang="en-US" b="1" dirty="0"/>
               <a:t>양방향</a:t>
             </a:r>
             <a:r>
@@ -11283,8 +11451,16 @@
               <a:t>클래스간의 관계가 </a:t>
             </a:r>
             <a:r>
+              <a:rPr lang="en-US" altLang="ko-KR" dirty="0">
+                <a:solidFill>
+                  <a:srgbClr val="FF0000"/>
+                </a:solidFill>
+              </a:rPr>
+              <a:t>"-"</a:t>
+            </a:r>
+            <a:r>
               <a:rPr lang="en-US" altLang="ko-KR" dirty="0"/>
-              <a:t>"-" </a:t>
+              <a:t> </a:t>
             </a:r>
             <a:r>
               <a:rPr lang="ko-KR" altLang="en-US" dirty="0"/>
@@ -11333,8 +11509,16 @@
               </a:lnSpc>
             </a:pPr>
             <a:r>
+              <a:rPr lang="en-US" altLang="ko-KR" b="1" dirty="0">
+                <a:solidFill>
+                  <a:srgbClr val="FF0000"/>
+                </a:solidFill>
+              </a:rPr>
+              <a:t>Aggregation</a:t>
+            </a:r>
+            <a:r>
               <a:rPr lang="en-US" altLang="ko-KR" dirty="0"/>
-              <a:t>Aggregation (</a:t>
+              <a:t> (</a:t>
             </a:r>
             <a:r>
               <a:rPr lang="ko-KR" altLang="en-US" dirty="0"/>
@@ -11354,7 +11538,11 @@
             </a:r>
             <a:r>
               <a:rPr lang="ko-KR" altLang="en-US" dirty="0"/>
-              <a:t> 대상 클래스는 같이 삭제가 안됨 </a:t>
+              <a:t> 대상 클래스는 </a:t>
+            </a:r>
+            <a:r>
+              <a:rPr lang="ko-KR" altLang="en-US" b="1" dirty="0"/>
+              <a:t>같이 삭제가 안됨 </a:t>
             </a:r>
             <a:r>
               <a:rPr lang="en-US" altLang="ko-KR" dirty="0"/>
@@ -11399,8 +11587,16 @@
               </a:lnSpc>
             </a:pPr>
             <a:r>
+              <a:rPr lang="en-US" altLang="ko-KR" b="1" dirty="0">
+                <a:solidFill>
+                  <a:srgbClr val="FF0000"/>
+                </a:solidFill>
+              </a:rPr>
+              <a:t>Composition</a:t>
+            </a:r>
+            <a:r>
               <a:rPr lang="en-US" altLang="ko-KR" dirty="0"/>
-              <a:t>Composition(</a:t>
+              <a:t>(</a:t>
             </a:r>
             <a:r>
               <a:rPr lang="ko-KR" altLang="en-US" dirty="0"/>
@@ -11420,7 +11616,11 @@
             </a:r>
             <a:r>
               <a:rPr lang="ko-KR" altLang="en-US" dirty="0"/>
-              <a:t> 대상 클래스도 같이 삭제가 됨</a:t>
+              <a:t> 대상 클래스도 </a:t>
+            </a:r>
+            <a:r>
+              <a:rPr lang="ko-KR" altLang="en-US" b="1" dirty="0"/>
+              <a:t>같이 삭제가 됨</a:t>
             </a:r>
             <a:r>
               <a:rPr lang="en-US" altLang="ko-KR" dirty="0"/>
